--- a/팀프로젝트 PPT.pptx
+++ b/팀프로젝트 PPT.pptx
@@ -5,7 +5,7 @@
     <p:sldMasterId id="2147483659" r:id="rId1"/>
   </p:sldMasterIdLst>
   <p:notesMasterIdLst>
-    <p:notesMasterId r:id="rId17"/>
+    <p:notesMasterId r:id="rId18"/>
   </p:notesMasterIdLst>
   <p:sldIdLst>
     <p:sldId id="256" r:id="rId2"/>
@@ -22,24 +22,25 @@
     <p:sldId id="278" r:id="rId13"/>
     <p:sldId id="280" r:id="rId14"/>
     <p:sldId id="279" r:id="rId15"/>
-    <p:sldId id="275" r:id="rId16"/>
+    <p:sldId id="281" r:id="rId16"/>
+    <p:sldId id="275" r:id="rId17"/>
   </p:sldIdLst>
   <p:sldSz cx="9144000" cy="5143500" type="screen16x9"/>
   <p:notesSz cx="6858000" cy="9144000"/>
   <p:embeddedFontLst>
     <p:embeddedFont>
       <p:font typeface="Economica" panose="020B0600000101010101" charset="0"/>
-      <p:regular r:id="rId18"/>
-      <p:bold r:id="rId19"/>
-      <p:italic r:id="rId20"/>
-      <p:boldItalic r:id="rId21"/>
+      <p:regular r:id="rId19"/>
+      <p:bold r:id="rId20"/>
+      <p:italic r:id="rId21"/>
+      <p:boldItalic r:id="rId22"/>
     </p:embeddedFont>
     <p:embeddedFont>
       <p:font typeface="Open Sans" panose="020B0600000101010101" charset="0"/>
-      <p:regular r:id="rId22"/>
-      <p:bold r:id="rId23"/>
-      <p:italic r:id="rId24"/>
-      <p:boldItalic r:id="rId25"/>
+      <p:regular r:id="rId23"/>
+      <p:bold r:id="rId24"/>
+      <p:italic r:id="rId25"/>
+      <p:boldItalic r:id="rId26"/>
     </p:embeddedFont>
   </p:embeddedFontLst>
   <p:defaultTextStyle>
@@ -4179,6 +4180,115 @@
 </p:notes>
 </file>
 
+<file path=ppt/notesSlides/notesSlide15.xml><?xml version="1.0" encoding="utf-8"?>
+<p:notes xmlns:a="http://schemas.openxmlformats.org/drawingml/2006/main" xmlns:r="http://schemas.openxmlformats.org/officeDocument/2006/relationships" xmlns:p="http://schemas.openxmlformats.org/presentationml/2006/main" showMasterSp="0" showMasterPhAnim="0">
+  <p:cSld>
+    <p:spTree>
+      <p:nvGrpSpPr>
+        <p:cNvPr id="1" name="Shape 152"/>
+        <p:cNvGrpSpPr/>
+        <p:nvPr/>
+      </p:nvGrpSpPr>
+      <p:grpSpPr>
+        <a:xfrm>
+          <a:off x="0" y="0"/>
+          <a:ext cx="0" cy="0"/>
+          <a:chOff x="0" y="0"/>
+          <a:chExt cx="0" cy="0"/>
+        </a:xfrm>
+      </p:grpSpPr>
+      <p:sp>
+        <p:nvSpPr>
+          <p:cNvPr id="153" name="Google Shape;153;gc15719e772_0_156:notes"/>
+          <p:cNvSpPr>
+            <a:spLocks noGrp="1" noRot="1" noChangeAspect="1"/>
+          </p:cNvSpPr>
+          <p:nvPr>
+            <p:ph type="sldImg" idx="2"/>
+          </p:nvPr>
+        </p:nvSpPr>
+        <p:spPr>
+          <a:xfrm>
+            <a:off x="381000" y="685800"/>
+            <a:ext cx="6096000" cy="3429000"/>
+          </a:xfrm>
+          <a:custGeom>
+            <a:avLst/>
+            <a:gdLst/>
+            <a:ahLst/>
+            <a:cxnLst/>
+            <a:rect l="l" t="t" r="r" b="b"/>
+            <a:pathLst>
+              <a:path w="120000" h="120000" extrusionOk="0">
+                <a:moveTo>
+                  <a:pt x="0" y="0"/>
+                </a:moveTo>
+                <a:lnTo>
+                  <a:pt x="120000" y="0"/>
+                </a:lnTo>
+                <a:lnTo>
+                  <a:pt x="120000" y="120000"/>
+                </a:lnTo>
+                <a:lnTo>
+                  <a:pt x="0" y="120000"/>
+                </a:lnTo>
+                <a:close/>
+              </a:path>
+            </a:pathLst>
+          </a:custGeom>
+        </p:spPr>
+      </p:sp>
+      <p:sp>
+        <p:nvSpPr>
+          <p:cNvPr id="154" name="Google Shape;154;gc15719e772_0_156:notes"/>
+          <p:cNvSpPr txBox="1">
+            <a:spLocks noGrp="1"/>
+          </p:cNvSpPr>
+          <p:nvPr>
+            <p:ph type="body" idx="1"/>
+          </p:nvPr>
+        </p:nvSpPr>
+        <p:spPr>
+          <a:xfrm>
+            <a:off x="685800" y="4343400"/>
+            <a:ext cx="5486400" cy="4114800"/>
+          </a:xfrm>
+          <a:prstGeom prst="rect">
+            <a:avLst/>
+          </a:prstGeom>
+        </p:spPr>
+        <p:txBody>
+          <a:bodyPr spcFirstLastPara="1" wrap="square" lIns="91425" tIns="91425" rIns="91425" bIns="91425" anchor="t" anchorCtr="0">
+            <a:noAutofit/>
+          </a:bodyPr>
+          <a:lstStyle/>
+          <a:p>
+            <a:pPr marL="0" lvl="0" indent="0" algn="l" rtl="0">
+              <a:spcBef>
+                <a:spcPts val="0"/>
+              </a:spcBef>
+              <a:spcAft>
+                <a:spcPts val="0"/>
+              </a:spcAft>
+              <a:buNone/>
+            </a:pPr>
+            <a:endParaRPr/>
+          </a:p>
+        </p:txBody>
+      </p:sp>
+    </p:spTree>
+    <p:extLst>
+      <p:ext uri="{BB962C8B-B14F-4D97-AF65-F5344CB8AC3E}">
+        <p14:creationId xmlns:p14="http://schemas.microsoft.com/office/powerpoint/2010/main" val="1849645047"/>
+      </p:ext>
+    </p:extLst>
+  </p:cSld>
+  <p:clrMapOvr>
+    <a:masterClrMapping/>
+  </p:clrMapOvr>
+</p:notes>
+</file>
+
 <file path=ppt/notesSlides/notesSlide2.xml><?xml version="1.0" encoding="utf-8"?>
 <p:notes xmlns:a="http://schemas.openxmlformats.org/drawingml/2006/main" xmlns:r="http://schemas.openxmlformats.org/officeDocument/2006/relationships" xmlns:p="http://schemas.openxmlformats.org/presentationml/2006/main" showMasterSp="0" showMasterPhAnim="0">
   <p:cSld>
@@ -14575,6 +14685,932 @@
 </file>
 
 <file path=ppt/slides/slide15.xml><?xml version="1.0" encoding="utf-8"?>
+<p:sld xmlns:a="http://schemas.openxmlformats.org/drawingml/2006/main" xmlns:r="http://schemas.openxmlformats.org/officeDocument/2006/relationships" xmlns:p="http://schemas.openxmlformats.org/presentationml/2006/main">
+  <p:cSld>
+    <p:spTree>
+      <p:nvGrpSpPr>
+        <p:cNvPr id="1" name="Shape 155"/>
+        <p:cNvGrpSpPr/>
+        <p:nvPr/>
+      </p:nvGrpSpPr>
+      <p:grpSpPr>
+        <a:xfrm>
+          <a:off x="0" y="0"/>
+          <a:ext cx="0" cy="0"/>
+          <a:chOff x="0" y="0"/>
+          <a:chExt cx="0" cy="0"/>
+        </a:xfrm>
+      </p:grpSpPr>
+      <p:sp>
+        <p:nvSpPr>
+          <p:cNvPr id="156" name="Google Shape;156;p22"/>
+          <p:cNvSpPr txBox="1">
+            <a:spLocks noGrp="1"/>
+          </p:cNvSpPr>
+          <p:nvPr>
+            <p:ph type="sldNum" idx="12"/>
+          </p:nvPr>
+        </p:nvSpPr>
+        <p:spPr>
+          <a:xfrm>
+            <a:off x="8472458" y="4663217"/>
+            <a:ext cx="548700" cy="393600"/>
+          </a:xfrm>
+          <a:prstGeom prst="rect">
+            <a:avLst/>
+          </a:prstGeom>
+        </p:spPr>
+        <p:txBody>
+          <a:bodyPr spcFirstLastPara="1" wrap="square" lIns="91425" tIns="91425" rIns="91425" bIns="91425" anchor="ctr" anchorCtr="0">
+            <a:normAutofit/>
+          </a:bodyPr>
+          <a:lstStyle/>
+          <a:p>
+            <a:pPr marL="0" lvl="0" indent="0" algn="r" rtl="0">
+              <a:spcBef>
+                <a:spcPts val="0"/>
+              </a:spcBef>
+              <a:spcAft>
+                <a:spcPts val="0"/>
+              </a:spcAft>
+              <a:buNone/>
+            </a:pPr>
+            <a:r>
+              <a:rPr lang="en-US" dirty="0"/>
+              <a:t>12</a:t>
+            </a:r>
+            <a:endParaRPr dirty="0"/>
+          </a:p>
+        </p:txBody>
+      </p:sp>
+      <p:sp>
+        <p:nvSpPr>
+          <p:cNvPr id="157" name="Google Shape;157;p22"/>
+          <p:cNvSpPr txBox="1"/>
+          <p:nvPr/>
+        </p:nvSpPr>
+        <p:spPr>
+          <a:xfrm>
+            <a:off x="13750" y="76200"/>
+            <a:ext cx="3836700" cy="677100"/>
+          </a:xfrm>
+          <a:prstGeom prst="rect">
+            <a:avLst/>
+          </a:prstGeom>
+          <a:noFill/>
+          <a:ln>
+            <a:noFill/>
+          </a:ln>
+        </p:spPr>
+        <p:txBody>
+          <a:bodyPr spcFirstLastPara="1" wrap="square" lIns="91425" tIns="91425" rIns="91425" bIns="91425" anchor="t" anchorCtr="0">
+            <a:spAutoFit/>
+          </a:bodyPr>
+          <a:lstStyle/>
+          <a:p>
+            <a:pPr marL="0" lvl="0" indent="0" algn="l" rtl="0">
+              <a:spcBef>
+                <a:spcPts val="0"/>
+              </a:spcBef>
+              <a:spcAft>
+                <a:spcPts val="0"/>
+              </a:spcAft>
+              <a:buNone/>
+            </a:pPr>
+            <a:r>
+              <a:rPr lang="ko" sz="3200" b="1" dirty="0">
+                <a:solidFill>
+                  <a:srgbClr val="FF0000"/>
+                </a:solidFill>
+                <a:latin typeface="Gulim"/>
+                <a:ea typeface="Gulim"/>
+                <a:cs typeface="Gulim"/>
+                <a:sym typeface="Gulim"/>
+              </a:rPr>
+              <a:t>개</a:t>
+            </a:r>
+            <a:r>
+              <a:rPr lang="ko" sz="3200" b="1" dirty="0">
+                <a:latin typeface="Gulim"/>
+                <a:ea typeface="Gulim"/>
+                <a:cs typeface="Gulim"/>
+                <a:sym typeface="Gulim"/>
+              </a:rPr>
+              <a:t>발 및 테스트</a:t>
+            </a:r>
+            <a:endParaRPr sz="400" b="1" dirty="0">
+              <a:latin typeface="Gulim"/>
+              <a:ea typeface="Gulim"/>
+              <a:cs typeface="Gulim"/>
+              <a:sym typeface="Gulim"/>
+            </a:endParaRPr>
+          </a:p>
+        </p:txBody>
+      </p:sp>
+      <p:sp>
+        <p:nvSpPr>
+          <p:cNvPr id="158" name="Google Shape;158;p22"/>
+          <p:cNvSpPr txBox="1">
+            <a:spLocks noGrp="1"/>
+          </p:cNvSpPr>
+          <p:nvPr>
+            <p:ph type="title"/>
+          </p:nvPr>
+        </p:nvSpPr>
+        <p:spPr>
+          <a:xfrm>
+            <a:off x="616500" y="-65075"/>
+            <a:ext cx="8520600" cy="831300"/>
+          </a:xfrm>
+          <a:prstGeom prst="rect">
+            <a:avLst/>
+          </a:prstGeom>
+        </p:spPr>
+        <p:txBody>
+          <a:bodyPr spcFirstLastPara="1" wrap="square" lIns="91425" tIns="91425" rIns="91425" bIns="91425" anchor="ctr" anchorCtr="0">
+            <a:normAutofit/>
+          </a:bodyPr>
+          <a:lstStyle/>
+          <a:p>
+            <a:pPr marL="0" lvl="0" indent="0" algn="r" rtl="0">
+              <a:spcBef>
+                <a:spcPts val="0"/>
+              </a:spcBef>
+              <a:spcAft>
+                <a:spcPts val="0"/>
+              </a:spcAft>
+              <a:buNone/>
+            </a:pPr>
+            <a:r>
+              <a:rPr lang="en-US" altLang="ko-KR" sz="3200" u="sng">
+                <a:solidFill>
+                  <a:srgbClr val="000000"/>
+                </a:solidFill>
+              </a:rPr>
+              <a:t>Review</a:t>
+            </a:r>
+            <a:endParaRPr sz="3200" u="sng" dirty="0">
+              <a:solidFill>
+                <a:srgbClr val="000000"/>
+              </a:solidFill>
+            </a:endParaRPr>
+          </a:p>
+        </p:txBody>
+      </p:sp>
+      <p:sp>
+        <p:nvSpPr>
+          <p:cNvPr id="16" name="직사각형 15">
+            <a:extLst>
+              <a:ext uri="{FF2B5EF4-FFF2-40B4-BE49-F238E27FC236}">
+                <a16:creationId xmlns:a16="http://schemas.microsoft.com/office/drawing/2014/main" id="{508FF0E2-0616-4308-AB11-4A138775217F}"/>
+              </a:ext>
+            </a:extLst>
+          </p:cNvPr>
+          <p:cNvSpPr/>
+          <p:nvPr/>
+        </p:nvSpPr>
+        <p:spPr>
+          <a:xfrm>
+            <a:off x="29165" y="825074"/>
+            <a:ext cx="745607" cy="523220"/>
+          </a:xfrm>
+          <a:prstGeom prst="rect">
+            <a:avLst/>
+          </a:prstGeom>
+          <a:noFill/>
+        </p:spPr>
+        <p:txBody>
+          <a:bodyPr wrap="square" lIns="91440" tIns="45720" rIns="91440" bIns="45720">
+            <a:spAutoFit/>
+          </a:bodyPr>
+          <a:lstStyle/>
+          <a:p>
+            <a:pPr algn="ctr"/>
+            <a:r>
+              <a:rPr lang="ko-KR" altLang="en-US" sz="2800" b="1" dirty="0">
+                <a:ln w="22225">
+                  <a:solidFill>
+                    <a:schemeClr val="accent2"/>
+                  </a:solidFill>
+                  <a:prstDash val="solid"/>
+                </a:ln>
+                <a:solidFill>
+                  <a:schemeClr val="accent2">
+                    <a:lumMod val="40000"/>
+                    <a:lumOff val="60000"/>
+                  </a:schemeClr>
+                </a:solidFill>
+              </a:rPr>
+              <a:t>①</a:t>
+            </a:r>
+            <a:endParaRPr lang="en-US" altLang="ko-KR" sz="2800" b="1" cap="none" spc="0" dirty="0">
+              <a:ln w="22225">
+                <a:solidFill>
+                  <a:schemeClr val="accent2"/>
+                </a:solidFill>
+                <a:prstDash val="solid"/>
+              </a:ln>
+              <a:solidFill>
+                <a:schemeClr val="accent2">
+                  <a:lumMod val="40000"/>
+                  <a:lumOff val="60000"/>
+                </a:schemeClr>
+              </a:solidFill>
+              <a:effectLst/>
+            </a:endParaRPr>
+          </a:p>
+        </p:txBody>
+      </p:sp>
+      <p:sp>
+        <p:nvSpPr>
+          <p:cNvPr id="17" name="TextBox 16">
+            <a:extLst>
+              <a:ext uri="{FF2B5EF4-FFF2-40B4-BE49-F238E27FC236}">
+                <a16:creationId xmlns:a16="http://schemas.microsoft.com/office/drawing/2014/main" id="{816A6FE7-B578-47D0-B98B-AE47D2BD0F00}"/>
+              </a:ext>
+            </a:extLst>
+          </p:cNvPr>
+          <p:cNvSpPr txBox="1"/>
+          <p:nvPr/>
+        </p:nvSpPr>
+        <p:spPr>
+          <a:xfrm>
+            <a:off x="597052" y="969226"/>
+            <a:ext cx="2358338" cy="307777"/>
+          </a:xfrm>
+          <a:prstGeom prst="rect">
+            <a:avLst/>
+          </a:prstGeom>
+          <a:noFill/>
+        </p:spPr>
+        <p:txBody>
+          <a:bodyPr wrap="none" rtlCol="0">
+            <a:spAutoFit/>
+          </a:bodyPr>
+          <a:lstStyle/>
+          <a:p>
+            <a:r>
+              <a:rPr lang="ko-KR" altLang="en-US" dirty="0"/>
+              <a:t>① 조건에 따른 </a:t>
+            </a:r>
+            <a:r>
+              <a:rPr lang="ko-KR" altLang="en-US" dirty="0" err="1"/>
+              <a:t>리스팅</a:t>
+            </a:r>
+            <a:r>
+              <a:rPr lang="ko-KR" altLang="en-US" dirty="0"/>
+              <a:t> 기능</a:t>
+            </a:r>
+          </a:p>
+        </p:txBody>
+      </p:sp>
+      <p:sp>
+        <p:nvSpPr>
+          <p:cNvPr id="18" name="직사각형 17">
+            <a:extLst>
+              <a:ext uri="{FF2B5EF4-FFF2-40B4-BE49-F238E27FC236}">
+                <a16:creationId xmlns:a16="http://schemas.microsoft.com/office/drawing/2014/main" id="{41FF7926-CCE1-4F65-9F4F-E6307F25DE61}"/>
+              </a:ext>
+            </a:extLst>
+          </p:cNvPr>
+          <p:cNvSpPr/>
+          <p:nvPr/>
+        </p:nvSpPr>
+        <p:spPr>
+          <a:xfrm>
+            <a:off x="4411539" y="825074"/>
+            <a:ext cx="745607" cy="523220"/>
+          </a:xfrm>
+          <a:prstGeom prst="rect">
+            <a:avLst/>
+          </a:prstGeom>
+          <a:noFill/>
+        </p:spPr>
+        <p:txBody>
+          <a:bodyPr wrap="square" lIns="91440" tIns="45720" rIns="91440" bIns="45720">
+            <a:spAutoFit/>
+          </a:bodyPr>
+          <a:lstStyle/>
+          <a:p>
+            <a:pPr algn="ctr"/>
+            <a:r>
+              <a:rPr lang="ko-KR" altLang="en-US" sz="2800" b="1" cap="none" spc="0" dirty="0">
+                <a:ln w="22225">
+                  <a:solidFill>
+                    <a:schemeClr val="accent2"/>
+                  </a:solidFill>
+                  <a:prstDash val="solid"/>
+                </a:ln>
+                <a:solidFill>
+                  <a:schemeClr val="accent2">
+                    <a:lumMod val="40000"/>
+                    <a:lumOff val="60000"/>
+                  </a:schemeClr>
+                </a:solidFill>
+                <a:effectLst/>
+              </a:rPr>
+              <a:t>②</a:t>
+            </a:r>
+            <a:endParaRPr lang="en-US" altLang="ko-KR" sz="2800" b="1" cap="none" spc="0" dirty="0">
+              <a:ln w="22225">
+                <a:solidFill>
+                  <a:schemeClr val="accent2"/>
+                </a:solidFill>
+                <a:prstDash val="solid"/>
+              </a:ln>
+              <a:solidFill>
+                <a:schemeClr val="accent2">
+                  <a:lumMod val="40000"/>
+                  <a:lumOff val="60000"/>
+                </a:schemeClr>
+              </a:solidFill>
+              <a:effectLst/>
+            </a:endParaRPr>
+          </a:p>
+        </p:txBody>
+      </p:sp>
+      <p:pic>
+        <p:nvPicPr>
+          <p:cNvPr id="3" name="그림 2">
+            <a:extLst>
+              <a:ext uri="{FF2B5EF4-FFF2-40B4-BE49-F238E27FC236}">
+                <a16:creationId xmlns:a16="http://schemas.microsoft.com/office/drawing/2014/main" id="{DFF8F085-3EEE-4164-A23F-B8CE7F20C713}"/>
+              </a:ext>
+            </a:extLst>
+          </p:cNvPr>
+          <p:cNvPicPr>
+            <a:picLocks noChangeAspect="1"/>
+          </p:cNvPicPr>
+          <p:nvPr/>
+        </p:nvPicPr>
+        <p:blipFill>
+          <a:blip r:embed="rId3"/>
+          <a:stretch>
+            <a:fillRect/>
+          </a:stretch>
+        </p:blipFill>
+        <p:spPr>
+          <a:xfrm>
+            <a:off x="213873" y="1492446"/>
+            <a:ext cx="3986652" cy="3114675"/>
+          </a:xfrm>
+          <a:prstGeom prst="rect">
+            <a:avLst/>
+          </a:prstGeom>
+        </p:spPr>
+      </p:pic>
+      <p:sp>
+        <p:nvSpPr>
+          <p:cNvPr id="23" name="직사각형 22">
+            <a:extLst>
+              <a:ext uri="{FF2B5EF4-FFF2-40B4-BE49-F238E27FC236}">
+                <a16:creationId xmlns:a16="http://schemas.microsoft.com/office/drawing/2014/main" id="{9E4D58BF-A42F-47A0-9A72-125420779AE2}"/>
+              </a:ext>
+            </a:extLst>
+          </p:cNvPr>
+          <p:cNvSpPr/>
+          <p:nvPr/>
+        </p:nvSpPr>
+        <p:spPr>
+          <a:xfrm>
+            <a:off x="270387" y="1572425"/>
+            <a:ext cx="715451" cy="334955"/>
+          </a:xfrm>
+          <a:prstGeom prst="rect">
+            <a:avLst/>
+          </a:prstGeom>
+          <a:noFill/>
+          <a:ln>
+            <a:prstDash val="dash"/>
+          </a:ln>
+        </p:spPr>
+        <p:style>
+          <a:lnRef idx="2">
+            <a:schemeClr val="accent3"/>
+          </a:lnRef>
+          <a:fillRef idx="1">
+            <a:schemeClr val="lt1"/>
+          </a:fillRef>
+          <a:effectRef idx="0">
+            <a:schemeClr val="accent3"/>
+          </a:effectRef>
+          <a:fontRef idx="minor">
+            <a:schemeClr val="dk1"/>
+          </a:fontRef>
+        </p:style>
+        <p:txBody>
+          <a:bodyPr rtlCol="0" anchor="ctr"/>
+          <a:lstStyle/>
+          <a:p>
+            <a:pPr algn="ctr"/>
+            <a:endParaRPr lang="ko-KR" altLang="en-US"/>
+          </a:p>
+        </p:txBody>
+      </p:sp>
+      <p:sp>
+        <p:nvSpPr>
+          <p:cNvPr id="27" name="TextBox 26">
+            <a:extLst>
+              <a:ext uri="{FF2B5EF4-FFF2-40B4-BE49-F238E27FC236}">
+                <a16:creationId xmlns:a16="http://schemas.microsoft.com/office/drawing/2014/main" id="{86A40CBE-1703-4966-BC23-69288C08AB41}"/>
+              </a:ext>
+            </a:extLst>
+          </p:cNvPr>
+          <p:cNvSpPr txBox="1"/>
+          <p:nvPr/>
+        </p:nvSpPr>
+        <p:spPr>
+          <a:xfrm>
+            <a:off x="1161893" y="2122822"/>
+            <a:ext cx="2817176" cy="738664"/>
+          </a:xfrm>
+          <a:prstGeom prst="rect">
+            <a:avLst/>
+          </a:prstGeom>
+          <a:noFill/>
+        </p:spPr>
+        <p:txBody>
+          <a:bodyPr wrap="square" rtlCol="0">
+            <a:spAutoFit/>
+          </a:bodyPr>
+          <a:lstStyle/>
+          <a:p>
+            <a:pPr algn="ctr"/>
+            <a:r>
+              <a:rPr lang="ko-KR" altLang="en-US" dirty="0"/>
+              <a:t>좋아요 수 </a:t>
+            </a:r>
+            <a:r>
+              <a:rPr lang="en-US" altLang="ko-KR" dirty="0"/>
+              <a:t>/ </a:t>
+            </a:r>
+            <a:r>
+              <a:rPr lang="ko-KR" altLang="en-US" dirty="0"/>
+              <a:t>최신 등록 </a:t>
+            </a:r>
+            <a:r>
+              <a:rPr lang="en-US" altLang="ko-KR" dirty="0"/>
+              <a:t>/ </a:t>
+            </a:r>
+            <a:r>
+              <a:rPr lang="ko-KR" altLang="en-US" dirty="0"/>
+              <a:t>검색어 </a:t>
+            </a:r>
+            <a:r>
+              <a:rPr lang="en-US" altLang="ko-KR" dirty="0"/>
+              <a:t>/ </a:t>
+            </a:r>
+            <a:r>
+              <a:rPr lang="ko-KR" altLang="en-US" dirty="0" err="1"/>
+              <a:t>별점의</a:t>
+            </a:r>
+            <a:r>
+              <a:rPr lang="ko-KR" altLang="en-US" dirty="0"/>
+              <a:t> 개수에 따라 리스트가 변경된다</a:t>
+            </a:r>
+            <a:r>
+              <a:rPr lang="en-US" altLang="ko-KR" dirty="0"/>
+              <a:t>.</a:t>
+            </a:r>
+          </a:p>
+        </p:txBody>
+      </p:sp>
+      <p:pic>
+        <p:nvPicPr>
+          <p:cNvPr id="6" name="그림 5">
+            <a:extLst>
+              <a:ext uri="{FF2B5EF4-FFF2-40B4-BE49-F238E27FC236}">
+                <a16:creationId xmlns:a16="http://schemas.microsoft.com/office/drawing/2014/main" id="{A676EA78-896C-4926-BD8E-6D330733264F}"/>
+              </a:ext>
+            </a:extLst>
+          </p:cNvPr>
+          <p:cNvPicPr>
+            <a:picLocks noChangeAspect="1"/>
+          </p:cNvPicPr>
+          <p:nvPr/>
+        </p:nvPicPr>
+        <p:blipFill>
+          <a:blip r:embed="rId4"/>
+          <a:stretch>
+            <a:fillRect/>
+          </a:stretch>
+        </p:blipFill>
+        <p:spPr>
+          <a:xfrm>
+            <a:off x="4572000" y="1492446"/>
+            <a:ext cx="4247041" cy="3412578"/>
+          </a:xfrm>
+          <a:prstGeom prst="rect">
+            <a:avLst/>
+          </a:prstGeom>
+        </p:spPr>
+      </p:pic>
+      <p:sp>
+        <p:nvSpPr>
+          <p:cNvPr id="33" name="TextBox 32">
+            <a:extLst>
+              <a:ext uri="{FF2B5EF4-FFF2-40B4-BE49-F238E27FC236}">
+                <a16:creationId xmlns:a16="http://schemas.microsoft.com/office/drawing/2014/main" id="{6258CB51-BBEB-4CF4-9C50-BD588C0E0206}"/>
+              </a:ext>
+            </a:extLst>
+          </p:cNvPr>
+          <p:cNvSpPr txBox="1"/>
+          <p:nvPr/>
+        </p:nvSpPr>
+        <p:spPr>
+          <a:xfrm>
+            <a:off x="5250014" y="969226"/>
+            <a:ext cx="3504486" cy="307777"/>
+          </a:xfrm>
+          <a:prstGeom prst="rect">
+            <a:avLst/>
+          </a:prstGeom>
+          <a:noFill/>
+        </p:spPr>
+        <p:txBody>
+          <a:bodyPr wrap="none" rtlCol="0">
+            <a:spAutoFit/>
+          </a:bodyPr>
+          <a:lstStyle/>
+          <a:p>
+            <a:r>
+              <a:rPr lang="ko-KR" altLang="en-US" dirty="0"/>
+              <a:t>① 조건에 따른 </a:t>
+            </a:r>
+            <a:r>
+              <a:rPr lang="ko-KR" altLang="en-US" dirty="0" err="1"/>
+              <a:t>리스팅</a:t>
+            </a:r>
+            <a:r>
+              <a:rPr lang="ko-KR" altLang="en-US" dirty="0"/>
+              <a:t> 기능 </a:t>
+            </a:r>
+            <a:r>
+              <a:rPr lang="en-US" altLang="ko-KR" dirty="0"/>
+              <a:t>– </a:t>
+            </a:r>
+            <a:r>
+              <a:rPr lang="ko-KR" altLang="en-US" dirty="0" err="1"/>
+              <a:t>별점의</a:t>
+            </a:r>
+            <a:r>
+              <a:rPr lang="ko-KR" altLang="en-US" dirty="0"/>
+              <a:t> 개수</a:t>
+            </a:r>
+          </a:p>
+        </p:txBody>
+      </p:sp>
+      <p:sp>
+        <p:nvSpPr>
+          <p:cNvPr id="34" name="직사각형 33">
+            <a:extLst>
+              <a:ext uri="{FF2B5EF4-FFF2-40B4-BE49-F238E27FC236}">
+                <a16:creationId xmlns:a16="http://schemas.microsoft.com/office/drawing/2014/main" id="{16FA3278-D391-42B7-A814-6353BC92E78B}"/>
+              </a:ext>
+            </a:extLst>
+          </p:cNvPr>
+          <p:cNvSpPr/>
+          <p:nvPr/>
+        </p:nvSpPr>
+        <p:spPr>
+          <a:xfrm>
+            <a:off x="6392237" y="1584176"/>
+            <a:ext cx="1220040" cy="334318"/>
+          </a:xfrm>
+          <a:prstGeom prst="rect">
+            <a:avLst/>
+          </a:prstGeom>
+          <a:noFill/>
+          <a:ln>
+            <a:prstDash val="dash"/>
+          </a:ln>
+        </p:spPr>
+        <p:style>
+          <a:lnRef idx="2">
+            <a:schemeClr val="accent3"/>
+          </a:lnRef>
+          <a:fillRef idx="1">
+            <a:schemeClr val="lt1"/>
+          </a:fillRef>
+          <a:effectRef idx="0">
+            <a:schemeClr val="accent3"/>
+          </a:effectRef>
+          <a:fontRef idx="minor">
+            <a:schemeClr val="dk1"/>
+          </a:fontRef>
+        </p:style>
+        <p:txBody>
+          <a:bodyPr rtlCol="0" anchor="ctr"/>
+          <a:lstStyle/>
+          <a:p>
+            <a:pPr algn="ctr"/>
+            <a:endParaRPr lang="ko-KR" altLang="en-US"/>
+          </a:p>
+        </p:txBody>
+      </p:sp>
+      <p:sp>
+        <p:nvSpPr>
+          <p:cNvPr id="35" name="직사각형 34">
+            <a:extLst>
+              <a:ext uri="{FF2B5EF4-FFF2-40B4-BE49-F238E27FC236}">
+                <a16:creationId xmlns:a16="http://schemas.microsoft.com/office/drawing/2014/main" id="{D7C3F491-2A23-49F7-8E75-6D79F33DDFE2}"/>
+              </a:ext>
+            </a:extLst>
+          </p:cNvPr>
+          <p:cNvSpPr/>
+          <p:nvPr/>
+        </p:nvSpPr>
+        <p:spPr>
+          <a:xfrm>
+            <a:off x="4572000" y="2003224"/>
+            <a:ext cx="1220040" cy="334318"/>
+          </a:xfrm>
+          <a:prstGeom prst="rect">
+            <a:avLst/>
+          </a:prstGeom>
+          <a:noFill/>
+          <a:ln>
+            <a:prstDash val="dash"/>
+          </a:ln>
+        </p:spPr>
+        <p:style>
+          <a:lnRef idx="2">
+            <a:schemeClr val="accent3"/>
+          </a:lnRef>
+          <a:fillRef idx="1">
+            <a:schemeClr val="lt1"/>
+          </a:fillRef>
+          <a:effectRef idx="0">
+            <a:schemeClr val="accent3"/>
+          </a:effectRef>
+          <a:fontRef idx="minor">
+            <a:schemeClr val="dk1"/>
+          </a:fontRef>
+        </p:style>
+        <p:txBody>
+          <a:bodyPr rtlCol="0" anchor="ctr"/>
+          <a:lstStyle/>
+          <a:p>
+            <a:pPr algn="ctr"/>
+            <a:endParaRPr lang="ko-KR" altLang="en-US"/>
+          </a:p>
+        </p:txBody>
+      </p:sp>
+      <p:sp>
+        <p:nvSpPr>
+          <p:cNvPr id="36" name="직사각형 35">
+            <a:extLst>
+              <a:ext uri="{FF2B5EF4-FFF2-40B4-BE49-F238E27FC236}">
+                <a16:creationId xmlns:a16="http://schemas.microsoft.com/office/drawing/2014/main" id="{BF87330B-AA5D-4F22-A123-1E1D136912AB}"/>
+              </a:ext>
+            </a:extLst>
+          </p:cNvPr>
+          <p:cNvSpPr/>
+          <p:nvPr/>
+        </p:nvSpPr>
+        <p:spPr>
+          <a:xfrm>
+            <a:off x="4572000" y="3459370"/>
+            <a:ext cx="1220040" cy="334318"/>
+          </a:xfrm>
+          <a:prstGeom prst="rect">
+            <a:avLst/>
+          </a:prstGeom>
+          <a:noFill/>
+          <a:ln>
+            <a:prstDash val="dash"/>
+          </a:ln>
+        </p:spPr>
+        <p:style>
+          <a:lnRef idx="2">
+            <a:schemeClr val="accent3"/>
+          </a:lnRef>
+          <a:fillRef idx="1">
+            <a:schemeClr val="lt1"/>
+          </a:fillRef>
+          <a:effectRef idx="0">
+            <a:schemeClr val="accent3"/>
+          </a:effectRef>
+          <a:fontRef idx="minor">
+            <a:schemeClr val="dk1"/>
+          </a:fontRef>
+        </p:style>
+        <p:txBody>
+          <a:bodyPr rtlCol="0" anchor="ctr"/>
+          <a:lstStyle/>
+          <a:p>
+            <a:pPr algn="ctr"/>
+            <a:endParaRPr lang="ko-KR" altLang="en-US"/>
+          </a:p>
+        </p:txBody>
+      </p:sp>
+      <p:sp>
+        <p:nvSpPr>
+          <p:cNvPr id="37" name="직사각형 36">
+            <a:extLst>
+              <a:ext uri="{FF2B5EF4-FFF2-40B4-BE49-F238E27FC236}">
+                <a16:creationId xmlns:a16="http://schemas.microsoft.com/office/drawing/2014/main" id="{B978B59D-AD3F-48C6-B9AC-EAE403933910}"/>
+              </a:ext>
+            </a:extLst>
+          </p:cNvPr>
+          <p:cNvSpPr/>
+          <p:nvPr/>
+        </p:nvSpPr>
+        <p:spPr>
+          <a:xfrm>
+            <a:off x="582711" y="1919770"/>
+            <a:ext cx="715451" cy="334955"/>
+          </a:xfrm>
+          <a:prstGeom prst="rect">
+            <a:avLst/>
+          </a:prstGeom>
+          <a:noFill/>
+          <a:ln>
+            <a:prstDash val="dash"/>
+          </a:ln>
+        </p:spPr>
+        <p:style>
+          <a:lnRef idx="2">
+            <a:schemeClr val="accent3"/>
+          </a:lnRef>
+          <a:fillRef idx="1">
+            <a:schemeClr val="lt1"/>
+          </a:fillRef>
+          <a:effectRef idx="0">
+            <a:schemeClr val="accent3"/>
+          </a:effectRef>
+          <a:fontRef idx="minor">
+            <a:schemeClr val="dk1"/>
+          </a:fontRef>
+        </p:style>
+        <p:txBody>
+          <a:bodyPr rtlCol="0" anchor="ctr"/>
+          <a:lstStyle/>
+          <a:p>
+            <a:pPr algn="ctr"/>
+            <a:endParaRPr lang="ko-KR" altLang="en-US"/>
+          </a:p>
+        </p:txBody>
+      </p:sp>
+      <p:sp>
+        <p:nvSpPr>
+          <p:cNvPr id="38" name="직사각형 37">
+            <a:extLst>
+              <a:ext uri="{FF2B5EF4-FFF2-40B4-BE49-F238E27FC236}">
+                <a16:creationId xmlns:a16="http://schemas.microsoft.com/office/drawing/2014/main" id="{F17371A6-CDED-44F6-939A-B473196A78BC}"/>
+              </a:ext>
+            </a:extLst>
+          </p:cNvPr>
+          <p:cNvSpPr/>
+          <p:nvPr/>
+        </p:nvSpPr>
+        <p:spPr>
+          <a:xfrm>
+            <a:off x="582711" y="3252922"/>
+            <a:ext cx="715451" cy="334955"/>
+          </a:xfrm>
+          <a:prstGeom prst="rect">
+            <a:avLst/>
+          </a:prstGeom>
+          <a:noFill/>
+          <a:ln>
+            <a:prstDash val="dash"/>
+          </a:ln>
+        </p:spPr>
+        <p:style>
+          <a:lnRef idx="2">
+            <a:schemeClr val="accent3"/>
+          </a:lnRef>
+          <a:fillRef idx="1">
+            <a:schemeClr val="lt1"/>
+          </a:fillRef>
+          <a:effectRef idx="0">
+            <a:schemeClr val="accent3"/>
+          </a:effectRef>
+          <a:fontRef idx="minor">
+            <a:schemeClr val="dk1"/>
+          </a:fontRef>
+        </p:style>
+        <p:txBody>
+          <a:bodyPr rtlCol="0" anchor="ctr"/>
+          <a:lstStyle/>
+          <a:p>
+            <a:pPr algn="ctr"/>
+            <a:endParaRPr lang="ko-KR" altLang="en-US"/>
+          </a:p>
+        </p:txBody>
+      </p:sp>
+      <p:sp>
+        <p:nvSpPr>
+          <p:cNvPr id="19" name="Google Shape;157;p22">
+            <a:extLst>
+              <a:ext uri="{FF2B5EF4-FFF2-40B4-BE49-F238E27FC236}">
+                <a16:creationId xmlns:a16="http://schemas.microsoft.com/office/drawing/2014/main" id="{78C61124-0F00-433B-8701-7B76A39F98EE}"/>
+              </a:ext>
+            </a:extLst>
+          </p:cNvPr>
+          <p:cNvSpPr txBox="1"/>
+          <p:nvPr/>
+        </p:nvSpPr>
+        <p:spPr>
+          <a:xfrm>
+            <a:off x="3165557" y="63275"/>
+            <a:ext cx="3836700" cy="1169521"/>
+          </a:xfrm>
+          <a:prstGeom prst="rect">
+            <a:avLst/>
+          </a:prstGeom>
+          <a:noFill/>
+          <a:ln>
+            <a:noFill/>
+          </a:ln>
+        </p:spPr>
+        <p:txBody>
+          <a:bodyPr spcFirstLastPara="1" wrap="square" lIns="91425" tIns="91425" rIns="91425" bIns="91425" anchor="t" anchorCtr="0">
+            <a:spAutoFit/>
+          </a:bodyPr>
+          <a:lstStyle/>
+          <a:p>
+            <a:pPr marL="0" lvl="0" indent="0" algn="l" rtl="0">
+              <a:spcBef>
+                <a:spcPts val="0"/>
+              </a:spcBef>
+              <a:spcAft>
+                <a:spcPts val="0"/>
+              </a:spcAft>
+              <a:buNone/>
+            </a:pPr>
+            <a:r>
+              <a:rPr lang="en-US" sz="3200" b="1" dirty="0">
+                <a:solidFill>
+                  <a:srgbClr val="FF0000"/>
+                </a:solidFill>
+                <a:latin typeface="Gulim"/>
+                <a:ea typeface="Gulim"/>
+                <a:cs typeface="Gulim"/>
+                <a:sym typeface="Gulim"/>
+              </a:rPr>
+              <a:t> </a:t>
+            </a:r>
+            <a:r>
+              <a:rPr lang="ko-KR" altLang="en-US" sz="3200" b="1" dirty="0">
+                <a:solidFill>
+                  <a:srgbClr val="FF0000"/>
+                </a:solidFill>
+                <a:latin typeface="Gulim"/>
+                <a:ea typeface="Gulim"/>
+                <a:cs typeface="Gulim"/>
+                <a:sym typeface="Gulim"/>
+              </a:rPr>
+              <a:t>이 페이지는 </a:t>
+            </a:r>
+            <a:r>
+              <a:rPr lang="ko-KR" altLang="en-US" sz="3200" b="1" dirty="0" err="1">
+                <a:solidFill>
+                  <a:srgbClr val="FF0000"/>
+                </a:solidFill>
+                <a:latin typeface="Gulim"/>
+                <a:ea typeface="Gulim"/>
+                <a:cs typeface="Gulim"/>
+                <a:sym typeface="Gulim"/>
+              </a:rPr>
+              <a:t>카피카피했습니다</a:t>
+            </a:r>
+            <a:r>
+              <a:rPr lang="en-US" altLang="ko-KR" sz="3200" b="1" dirty="0">
+                <a:solidFill>
+                  <a:srgbClr val="FF0000"/>
+                </a:solidFill>
+                <a:latin typeface="Gulim"/>
+                <a:ea typeface="Gulim"/>
+                <a:cs typeface="Gulim"/>
+                <a:sym typeface="Gulim"/>
+              </a:rPr>
+              <a:t>!</a:t>
+            </a:r>
+            <a:endParaRPr sz="400" b="1" dirty="0">
+              <a:latin typeface="Gulim"/>
+              <a:ea typeface="Gulim"/>
+              <a:cs typeface="Gulim"/>
+              <a:sym typeface="Gulim"/>
+            </a:endParaRPr>
+          </a:p>
+        </p:txBody>
+      </p:sp>
+    </p:spTree>
+    <p:extLst>
+      <p:ext uri="{BB962C8B-B14F-4D97-AF65-F5344CB8AC3E}">
+        <p14:creationId xmlns:p14="http://schemas.microsoft.com/office/powerpoint/2010/main" val="12791641"/>
+      </p:ext>
+    </p:extLst>
+  </p:cSld>
+  <p:clrMapOvr>
+    <a:masterClrMapping/>
+  </p:clrMapOvr>
+</p:sld>
+</file>
+
+<file path=ppt/slides/slide16.xml><?xml version="1.0" encoding="utf-8"?>
 <p:sld xmlns:a="http://schemas.openxmlformats.org/drawingml/2006/main" xmlns:r="http://schemas.openxmlformats.org/officeDocument/2006/relationships" xmlns:p="http://schemas.openxmlformats.org/presentationml/2006/main">
   <p:cSld>
     <p:spTree>
